--- a/Fihirana Fanampiny/FF 20.pptx
+++ b/Fihirana Fanampiny/FF 20.pptx
@@ -311,7 +311,7 @@
           <a:p>
             <a:fld id="{22D82888-5E52-4E10-A785-4BB12B5797CB}" type="datetimeFigureOut">
               <a:rPr lang="fr-FR" smtClean="0"/>
-              <a:t>27/08/2017</a:t>
+              <a:t>25/08/2024</a:t>
             </a:fld>
             <a:endParaRPr lang="fr-FR"/>
           </a:p>
@@ -488,7 +488,7 @@
           <a:p>
             <a:fld id="{22D82888-5E52-4E10-A785-4BB12B5797CB}" type="datetimeFigureOut">
               <a:rPr lang="fr-FR" smtClean="0"/>
-              <a:t>27/08/2017</a:t>
+              <a:t>25/08/2024</a:t>
             </a:fld>
             <a:endParaRPr lang="fr-FR"/>
           </a:p>
@@ -675,7 +675,7 @@
           <a:p>
             <a:fld id="{22D82888-5E52-4E10-A785-4BB12B5797CB}" type="datetimeFigureOut">
               <a:rPr lang="fr-FR" smtClean="0"/>
-              <a:t>27/08/2017</a:t>
+              <a:t>25/08/2024</a:t>
             </a:fld>
             <a:endParaRPr lang="fr-FR"/>
           </a:p>
@@ -852,7 +852,7 @@
           <a:p>
             <a:fld id="{22D82888-5E52-4E10-A785-4BB12B5797CB}" type="datetimeFigureOut">
               <a:rPr lang="fr-FR" smtClean="0"/>
-              <a:t>27/08/2017</a:t>
+              <a:t>25/08/2024</a:t>
             </a:fld>
             <a:endParaRPr lang="fr-FR"/>
           </a:p>
@@ -1105,7 +1105,7 @@
           <a:p>
             <a:fld id="{22D82888-5E52-4E10-A785-4BB12B5797CB}" type="datetimeFigureOut">
               <a:rPr lang="fr-FR" smtClean="0"/>
-              <a:t>27/08/2017</a:t>
+              <a:t>25/08/2024</a:t>
             </a:fld>
             <a:endParaRPr lang="fr-FR"/>
           </a:p>
@@ -1400,7 +1400,7 @@
           <a:p>
             <a:fld id="{22D82888-5E52-4E10-A785-4BB12B5797CB}" type="datetimeFigureOut">
               <a:rPr lang="fr-FR" smtClean="0"/>
-              <a:t>27/08/2017</a:t>
+              <a:t>25/08/2024</a:t>
             </a:fld>
             <a:endParaRPr lang="fr-FR"/>
           </a:p>
@@ -1829,7 +1829,7 @@
           <a:p>
             <a:fld id="{22D82888-5E52-4E10-A785-4BB12B5797CB}" type="datetimeFigureOut">
               <a:rPr lang="fr-FR" smtClean="0"/>
-              <a:t>27/08/2017</a:t>
+              <a:t>25/08/2024</a:t>
             </a:fld>
             <a:endParaRPr lang="fr-FR"/>
           </a:p>
@@ -1954,7 +1954,7 @@
           <a:p>
             <a:fld id="{22D82888-5E52-4E10-A785-4BB12B5797CB}" type="datetimeFigureOut">
               <a:rPr lang="fr-FR" smtClean="0"/>
-              <a:t>27/08/2017</a:t>
+              <a:t>25/08/2024</a:t>
             </a:fld>
             <a:endParaRPr lang="fr-FR"/>
           </a:p>
@@ -2056,7 +2056,7 @@
           <a:p>
             <a:fld id="{22D82888-5E52-4E10-A785-4BB12B5797CB}" type="datetimeFigureOut">
               <a:rPr lang="fr-FR" smtClean="0"/>
-              <a:t>27/08/2017</a:t>
+              <a:t>25/08/2024</a:t>
             </a:fld>
             <a:endParaRPr lang="fr-FR"/>
           </a:p>
@@ -2340,7 +2340,7 @@
           <a:p>
             <a:fld id="{22D82888-5E52-4E10-A785-4BB12B5797CB}" type="datetimeFigureOut">
               <a:rPr lang="fr-FR" smtClean="0"/>
-              <a:t>27/08/2017</a:t>
+              <a:t>25/08/2024</a:t>
             </a:fld>
             <a:endParaRPr lang="fr-FR"/>
           </a:p>
@@ -2600,7 +2600,7 @@
           <a:p>
             <a:fld id="{22D82888-5E52-4E10-A785-4BB12B5797CB}" type="datetimeFigureOut">
               <a:rPr lang="fr-FR" smtClean="0"/>
-              <a:t>27/08/2017</a:t>
+              <a:t>25/08/2024</a:t>
             </a:fld>
             <a:endParaRPr lang="fr-FR"/>
           </a:p>
@@ -2820,7 +2820,7 @@
           <a:p>
             <a:fld id="{22D82888-5E52-4E10-A785-4BB12B5797CB}" type="datetimeFigureOut">
               <a:rPr lang="fr-FR" smtClean="0"/>
-              <a:t>27/08/2017</a:t>
+              <a:t>25/08/2024</a:t>
             </a:fld>
             <a:endParaRPr lang="fr-FR"/>
           </a:p>
@@ -3440,219 +3440,219 @@
           <a:lstStyle/>
           <a:p>
             <a:r>
-              <a:rPr lang="en-GB" sz="8000" b="1" dirty="0" err="1">
+              <a:rPr lang="en-GB" sz="6600" b="1" dirty="0" err="1">
                 <a:latin typeface="Anette" pitchFamily="2" charset="0"/>
               </a:rPr>
               <a:t>Efa</a:t>
             </a:r>
             <a:r>
-              <a:rPr lang="en-GB" sz="8000" b="1" dirty="0">
-                <a:latin typeface="Anette" pitchFamily="2" charset="0"/>
-              </a:rPr>
-              <a:t> </a:t>
-            </a:r>
-            <a:r>
-              <a:rPr lang="en-GB" sz="8000" b="1" dirty="0" err="1">
+              <a:rPr lang="en-GB" sz="6600" b="1" dirty="0">
+                <a:latin typeface="Anette" pitchFamily="2" charset="0"/>
+              </a:rPr>
+              <a:t> </a:t>
+            </a:r>
+            <a:r>
+              <a:rPr lang="en-GB" sz="6600" b="1" dirty="0" err="1">
                 <a:latin typeface="Anette" pitchFamily="2" charset="0"/>
               </a:rPr>
               <a:t>trotraky</a:t>
             </a:r>
             <a:r>
-              <a:rPr lang="en-GB" sz="8000" b="1" dirty="0">
-                <a:latin typeface="Anette" pitchFamily="2" charset="0"/>
-              </a:rPr>
-              <a:t> </a:t>
-            </a:r>
-            <a:r>
-              <a:rPr lang="en-GB" sz="8000" b="1" dirty="0" err="1">
+              <a:rPr lang="en-GB" sz="6600" b="1" dirty="0">
+                <a:latin typeface="Anette" pitchFamily="2" charset="0"/>
+              </a:rPr>
+              <a:t> </a:t>
+            </a:r>
+            <a:r>
+              <a:rPr lang="en-GB" sz="6600" b="1" dirty="0" err="1">
                 <a:latin typeface="Anette" pitchFamily="2" charset="0"/>
               </a:rPr>
               <a:t>ny</a:t>
             </a:r>
             <a:r>
-              <a:rPr lang="en-GB" sz="8000" b="1" dirty="0">
-                <a:latin typeface="Anette" pitchFamily="2" charset="0"/>
-              </a:rPr>
-              <a:t> </a:t>
-            </a:r>
-            <a:r>
-              <a:rPr lang="en-GB" sz="8000" b="1" dirty="0" err="1">
+              <a:rPr lang="en-GB" sz="6600" b="1" dirty="0">
+                <a:latin typeface="Anette" pitchFamily="2" charset="0"/>
+              </a:rPr>
+              <a:t> </a:t>
+            </a:r>
+            <a:r>
+              <a:rPr lang="en-GB" sz="6600" b="1" dirty="0" err="1">
                 <a:latin typeface="Anette" pitchFamily="2" charset="0"/>
               </a:rPr>
               <a:t>adin-tsaina</a:t>
             </a:r>
             <a:r>
-              <a:rPr lang="fr-FR" sz="8000" b="1" dirty="0">
+              <a:rPr lang="fr-FR" sz="6600" b="1" dirty="0">
                 <a:latin typeface="Anette" pitchFamily="2" charset="0"/>
               </a:rPr>
               <a:t/>
             </a:r>
             <a:br>
-              <a:rPr lang="fr-FR" sz="8000" b="1" dirty="0">
+              <a:rPr lang="fr-FR" sz="6600" b="1" dirty="0">
                 <a:latin typeface="Anette" pitchFamily="2" charset="0"/>
               </a:rPr>
             </a:br>
             <a:r>
-              <a:rPr lang="en-GB" sz="8000" b="1" dirty="0" err="1">
+              <a:rPr lang="en-GB" sz="6600" b="1" dirty="0" err="1">
                 <a:latin typeface="Anette" pitchFamily="2" charset="0"/>
               </a:rPr>
               <a:t>Vao</a:t>
             </a:r>
             <a:r>
-              <a:rPr lang="en-GB" sz="8000" b="1" dirty="0">
-                <a:latin typeface="Anette" pitchFamily="2" charset="0"/>
-              </a:rPr>
-              <a:t> </a:t>
-            </a:r>
-            <a:r>
-              <a:rPr lang="en-GB" sz="8000" b="1" dirty="0" err="1">
+              <a:rPr lang="en-GB" sz="6600" b="1" dirty="0">
+                <a:latin typeface="Anette" pitchFamily="2" charset="0"/>
+              </a:rPr>
+              <a:t> </a:t>
+            </a:r>
+            <a:r>
+              <a:rPr lang="en-GB" sz="6600" b="1" dirty="0" err="1">
                 <a:latin typeface="Anette" pitchFamily="2" charset="0"/>
               </a:rPr>
               <a:t>mba</a:t>
             </a:r>
             <a:r>
-              <a:rPr lang="en-GB" sz="8000" b="1" dirty="0">
-                <a:latin typeface="Anette" pitchFamily="2" charset="0"/>
-              </a:rPr>
-              <a:t> </a:t>
-            </a:r>
-            <a:r>
-              <a:rPr lang="en-GB" sz="8000" b="1" dirty="0" err="1">
+              <a:rPr lang="en-GB" sz="6600" b="1" dirty="0">
+                <a:latin typeface="Anette" pitchFamily="2" charset="0"/>
+              </a:rPr>
+              <a:t> </a:t>
+            </a:r>
+            <a:r>
+              <a:rPr lang="en-GB" sz="6600" b="1" dirty="0" err="1">
                 <a:latin typeface="Anette" pitchFamily="2" charset="0"/>
               </a:rPr>
               <a:t>nahatsiaro</a:t>
             </a:r>
             <a:r>
-              <a:rPr lang="en-GB" sz="8000" b="1" dirty="0">
-                <a:latin typeface="Anette" pitchFamily="2" charset="0"/>
-              </a:rPr>
-              <a:t> </a:t>
-            </a:r>
-            <a:r>
-              <a:rPr lang="en-GB" sz="8000" b="1" dirty="0" err="1">
+              <a:rPr lang="en-GB" sz="6600" b="1" dirty="0">
+                <a:latin typeface="Anette" pitchFamily="2" charset="0"/>
+              </a:rPr>
+              <a:t> </a:t>
+            </a:r>
+            <a:r>
+              <a:rPr lang="en-GB" sz="6600" b="1" dirty="0" err="1">
                 <a:latin typeface="Anette" pitchFamily="2" charset="0"/>
               </a:rPr>
               <a:t>Anao</a:t>
             </a:r>
             <a:r>
-              <a:rPr lang="en-GB" sz="8000" b="1" dirty="0">
+              <a:rPr lang="en-GB" sz="6600" b="1" dirty="0">
                 <a:latin typeface="Anette" pitchFamily="2" charset="0"/>
               </a:rPr>
               <a:t>  </a:t>
             </a:r>
             <a:r>
-              <a:rPr lang="en-GB" sz="8000" b="1" dirty="0" err="1">
+              <a:rPr lang="en-GB" sz="6600" b="1" dirty="0" err="1">
                 <a:latin typeface="Anette" pitchFamily="2" charset="0"/>
               </a:rPr>
               <a:t>ry</a:t>
             </a:r>
             <a:r>
-              <a:rPr lang="en-GB" sz="8000" b="1" dirty="0">
-                <a:latin typeface="Anette" pitchFamily="2" charset="0"/>
-              </a:rPr>
-              <a:t> </a:t>
-            </a:r>
-            <a:r>
-              <a:rPr lang="en-GB" sz="8000" b="1" dirty="0" err="1">
+              <a:rPr lang="en-GB" sz="6600" b="1" dirty="0">
+                <a:latin typeface="Anette" pitchFamily="2" charset="0"/>
+              </a:rPr>
+              <a:t> </a:t>
+            </a:r>
+            <a:r>
+              <a:rPr lang="en-GB" sz="6600" b="1" dirty="0" err="1">
                 <a:latin typeface="Anette" pitchFamily="2" charset="0"/>
               </a:rPr>
               <a:t>Tompo</a:t>
             </a:r>
             <a:r>
-              <a:rPr lang="fr-FR" sz="8000" b="1" dirty="0">
+              <a:rPr lang="fr-FR" sz="6600" b="1" dirty="0">
                 <a:latin typeface="Anette" pitchFamily="2" charset="0"/>
               </a:rPr>
               <a:t/>
             </a:r>
             <a:br>
-              <a:rPr lang="fr-FR" sz="8000" b="1" dirty="0">
+              <a:rPr lang="fr-FR" sz="6600" b="1" dirty="0">
                 <a:latin typeface="Anette" pitchFamily="2" charset="0"/>
               </a:rPr>
             </a:br>
             <a:r>
-              <a:rPr lang="en-GB" sz="8000" b="1" dirty="0" err="1">
+              <a:rPr lang="en-GB" sz="6600" b="1" dirty="0" err="1">
                 <a:latin typeface="Anette" pitchFamily="2" charset="0"/>
               </a:rPr>
               <a:t>Menatr’aho</a:t>
             </a:r>
             <a:r>
-              <a:rPr lang="en-GB" sz="8000" b="1" dirty="0">
-                <a:latin typeface="Anette" pitchFamily="2" charset="0"/>
-              </a:rPr>
-              <a:t> </a:t>
-            </a:r>
-            <a:r>
-              <a:rPr lang="en-GB" sz="8000" b="1" dirty="0" err="1">
+              <a:rPr lang="en-GB" sz="6600" b="1" dirty="0">
+                <a:latin typeface="Anette" pitchFamily="2" charset="0"/>
+              </a:rPr>
+              <a:t> </a:t>
+            </a:r>
+            <a:r>
+              <a:rPr lang="en-GB" sz="6600" b="1" dirty="0" err="1">
                 <a:latin typeface="Anette" pitchFamily="2" charset="0"/>
               </a:rPr>
               <a:t>tsy</a:t>
             </a:r>
             <a:r>
-              <a:rPr lang="en-GB" sz="8000" b="1" dirty="0">
-                <a:latin typeface="Anette" pitchFamily="2" charset="0"/>
-              </a:rPr>
-              <a:t> </a:t>
-            </a:r>
-            <a:r>
-              <a:rPr lang="en-GB" sz="8000" b="1" dirty="0" err="1">
+              <a:rPr lang="en-GB" sz="6600" b="1" dirty="0">
+                <a:latin typeface="Anette" pitchFamily="2" charset="0"/>
+              </a:rPr>
+              <a:t> </a:t>
+            </a:r>
+            <a:r>
+              <a:rPr lang="en-GB" sz="6600" b="1" dirty="0" err="1">
                 <a:latin typeface="Anette" pitchFamily="2" charset="0"/>
               </a:rPr>
               <a:t>sahy</a:t>
             </a:r>
             <a:r>
-              <a:rPr lang="fr-FR" sz="8000" b="1" dirty="0">
-                <a:latin typeface="Anette" pitchFamily="2" charset="0"/>
-              </a:rPr>
-              <a:t> </a:t>
-            </a:r>
-            <a:r>
-              <a:rPr lang="en-GB" sz="8000" b="1" dirty="0" err="1">
+              <a:rPr lang="fr-FR" sz="6600" b="1" dirty="0">
+                <a:latin typeface="Anette" pitchFamily="2" charset="0"/>
+              </a:rPr>
+              <a:t> </a:t>
+            </a:r>
+            <a:r>
+              <a:rPr lang="en-GB" sz="6600" b="1" dirty="0" err="1">
                 <a:latin typeface="Anette" pitchFamily="2" charset="0"/>
               </a:rPr>
               <a:t>mitaraina</a:t>
             </a:r>
             <a:r>
-              <a:rPr lang="fr-FR" sz="8000" b="1" dirty="0">
+              <a:rPr lang="fr-FR" sz="6600" b="1" dirty="0">
                 <a:latin typeface="Anette" pitchFamily="2" charset="0"/>
               </a:rPr>
               <a:t/>
             </a:r>
             <a:br>
-              <a:rPr lang="fr-FR" sz="8000" b="1" dirty="0">
+              <a:rPr lang="fr-FR" sz="6600" b="1" dirty="0">
                 <a:latin typeface="Anette" pitchFamily="2" charset="0"/>
               </a:rPr>
             </a:br>
             <a:r>
-              <a:rPr lang="en-GB" sz="8000" b="1" dirty="0" err="1">
+              <a:rPr lang="en-GB" sz="6600" b="1" dirty="0" err="1">
                 <a:latin typeface="Anette" pitchFamily="2" charset="0"/>
               </a:rPr>
               <a:t>Ry</a:t>
             </a:r>
             <a:r>
-              <a:rPr lang="en-GB" sz="8000" b="1" dirty="0">
-                <a:latin typeface="Anette" pitchFamily="2" charset="0"/>
-              </a:rPr>
-              <a:t> </a:t>
-            </a:r>
-            <a:r>
-              <a:rPr lang="en-GB" sz="8000" b="1" dirty="0" err="1">
+              <a:rPr lang="en-GB" sz="6600" b="1" dirty="0">
+                <a:latin typeface="Anette" pitchFamily="2" charset="0"/>
+              </a:rPr>
+              <a:t> </a:t>
+            </a:r>
+            <a:r>
+              <a:rPr lang="en-GB" sz="6600" b="1" dirty="0" err="1">
                 <a:latin typeface="Anette" pitchFamily="2" charset="0"/>
               </a:rPr>
               <a:t>Jesoa</a:t>
             </a:r>
             <a:r>
-              <a:rPr lang="en-GB" sz="8000" b="1" dirty="0">
-                <a:latin typeface="Anette" pitchFamily="2" charset="0"/>
-              </a:rPr>
-              <a:t> </a:t>
-            </a:r>
-            <a:r>
-              <a:rPr lang="en-GB" sz="8000" b="1" dirty="0" err="1" smtClean="0">
+              <a:rPr lang="en-GB" sz="6600" b="1" dirty="0">
+                <a:latin typeface="Anette" pitchFamily="2" charset="0"/>
+              </a:rPr>
+              <a:t> </a:t>
+            </a:r>
+            <a:r>
+              <a:rPr lang="en-GB" sz="6600" b="1" dirty="0" err="1" smtClean="0">
                 <a:latin typeface="Anette" pitchFamily="2" charset="0"/>
               </a:rPr>
               <a:t>fitiavana</a:t>
             </a:r>
-            <a:endParaRPr lang="fr-FR" sz="8000" b="1" dirty="0">
+            <a:endParaRPr lang="fr-FR" sz="6600" b="1" dirty="0">
               <a:latin typeface="Anette" pitchFamily="2" charset="0"/>
             </a:endParaRPr>
           </a:p>
@@ -3737,210 +3737,210 @@
         </p:style>
         <p:txBody>
           <a:bodyPr>
-            <a:normAutofit/>
+            <a:noAutofit/>
           </a:bodyPr>
           <a:lstStyle/>
           <a:p>
             <a:r>
-              <a:rPr lang="en-GB" sz="9600" b="1" dirty="0" err="1">
+              <a:rPr lang="en-GB" sz="7200" b="1" dirty="0" err="1">
                 <a:latin typeface="Anette" pitchFamily="2" charset="0"/>
               </a:rPr>
               <a:t>Kanjo</a:t>
             </a:r>
             <a:r>
-              <a:rPr lang="en-GB" sz="9600" b="1" dirty="0">
-                <a:latin typeface="Anette" pitchFamily="2" charset="0"/>
-              </a:rPr>
-              <a:t> </a:t>
-            </a:r>
-            <a:r>
-              <a:rPr lang="en-GB" sz="9600" b="1" dirty="0" err="1">
+              <a:rPr lang="en-GB" sz="7200" b="1" dirty="0">
+                <a:latin typeface="Anette" pitchFamily="2" charset="0"/>
+              </a:rPr>
+              <a:t> </a:t>
+            </a:r>
+            <a:r>
+              <a:rPr lang="en-GB" sz="7200" b="1" dirty="0" err="1">
                 <a:latin typeface="Anette" pitchFamily="2" charset="0"/>
               </a:rPr>
               <a:t>tambitamby</a:t>
             </a:r>
             <a:r>
-              <a:rPr lang="en-GB" sz="9600" b="1" dirty="0">
-                <a:latin typeface="Anette" pitchFamily="2" charset="0"/>
-              </a:rPr>
-              <a:t> </a:t>
-            </a:r>
-            <a:r>
-              <a:rPr lang="en-GB" sz="9600" b="1" dirty="0" err="1">
+              <a:rPr lang="en-GB" sz="7200" b="1" dirty="0">
+                <a:latin typeface="Anette" pitchFamily="2" charset="0"/>
+              </a:rPr>
+              <a:t> </a:t>
+            </a:r>
+            <a:r>
+              <a:rPr lang="en-GB" sz="7200" b="1" dirty="0" err="1">
                 <a:latin typeface="Anette" pitchFamily="2" charset="0"/>
               </a:rPr>
               <a:t>safosafo</a:t>
             </a:r>
             <a:r>
-              <a:rPr lang="en-GB" sz="9600" b="1" dirty="0">
+              <a:rPr lang="en-GB" sz="7200" b="1" dirty="0">
                 <a:latin typeface="Anette" pitchFamily="2" charset="0"/>
               </a:rPr>
               <a:t/>
             </a:r>
             <a:br>
-              <a:rPr lang="en-GB" sz="9600" b="1" dirty="0">
+              <a:rPr lang="en-GB" sz="7200" b="1" dirty="0">
                 <a:latin typeface="Anette" pitchFamily="2" charset="0"/>
               </a:rPr>
             </a:br>
             <a:r>
-              <a:rPr lang="en-GB" sz="9600" b="1" dirty="0">
+              <a:rPr lang="en-GB" sz="7200" b="1" dirty="0">
                 <a:latin typeface="Anette" pitchFamily="2" charset="0"/>
               </a:rPr>
               <a:t>No </a:t>
             </a:r>
             <a:r>
-              <a:rPr lang="en-GB" sz="9600" b="1" dirty="0" err="1">
+              <a:rPr lang="en-GB" sz="7200" b="1" dirty="0" err="1">
                 <a:latin typeface="Anette" pitchFamily="2" charset="0"/>
               </a:rPr>
               <a:t>nasetrinao</a:t>
             </a:r>
             <a:r>
-              <a:rPr lang="en-GB" sz="9600" b="1" dirty="0">
-                <a:latin typeface="Anette" pitchFamily="2" charset="0"/>
-              </a:rPr>
-              <a:t> </a:t>
-            </a:r>
-            <a:r>
-              <a:rPr lang="en-GB" sz="9600" b="1" dirty="0" err="1">
+              <a:rPr lang="en-GB" sz="7200" b="1" dirty="0">
+                <a:latin typeface="Anette" pitchFamily="2" charset="0"/>
+              </a:rPr>
+              <a:t> </a:t>
+            </a:r>
+            <a:r>
+              <a:rPr lang="en-GB" sz="7200" b="1" dirty="0" err="1">
                 <a:latin typeface="Anette" pitchFamily="2" charset="0"/>
               </a:rPr>
               <a:t>ny</a:t>
             </a:r>
             <a:r>
-              <a:rPr lang="en-GB" sz="9600" b="1" dirty="0">
-                <a:latin typeface="Anette" pitchFamily="2" charset="0"/>
-              </a:rPr>
-              <a:t> </a:t>
-            </a:r>
-            <a:r>
-              <a:rPr lang="en-GB" sz="9600" b="1" dirty="0" err="1">
+              <a:rPr lang="en-GB" sz="7200" b="1" dirty="0">
+                <a:latin typeface="Anette" pitchFamily="2" charset="0"/>
+              </a:rPr>
+              <a:t> </a:t>
+            </a:r>
+            <a:r>
+              <a:rPr lang="en-GB" sz="7200" b="1" dirty="0" err="1">
                 <a:latin typeface="Anette" pitchFamily="2" charset="0"/>
               </a:rPr>
               <a:t>ditrako</a:t>
             </a:r>
             <a:r>
-              <a:rPr lang="fr-FR" sz="9600" b="1" dirty="0">
+              <a:rPr lang="fr-FR" sz="7200" b="1" dirty="0">
                 <a:latin typeface="Anette" pitchFamily="2" charset="0"/>
               </a:rPr>
               <a:t/>
             </a:r>
             <a:br>
-              <a:rPr lang="fr-FR" sz="9600" b="1" dirty="0">
+              <a:rPr lang="fr-FR" sz="7200" b="1" dirty="0">
                 <a:latin typeface="Anette" pitchFamily="2" charset="0"/>
               </a:rPr>
             </a:br>
             <a:r>
-              <a:rPr lang="en-GB" sz="9600" b="1" dirty="0" err="1">
+              <a:rPr lang="en-GB" sz="7200" b="1" dirty="0" err="1">
                 <a:latin typeface="Anette" pitchFamily="2" charset="0"/>
               </a:rPr>
               <a:t>Eny</a:t>
             </a:r>
             <a:r>
-              <a:rPr lang="en-GB" sz="9600" b="1" dirty="0">
-                <a:latin typeface="Anette" pitchFamily="2" charset="0"/>
-              </a:rPr>
-              <a:t> </a:t>
-            </a:r>
-            <a:r>
-              <a:rPr lang="en-GB" sz="9600" b="1" dirty="0" err="1">
+              <a:rPr lang="en-GB" sz="7200" b="1" dirty="0">
+                <a:latin typeface="Anette" pitchFamily="2" charset="0"/>
+              </a:rPr>
+              <a:t> </a:t>
+            </a:r>
+            <a:r>
+              <a:rPr lang="en-GB" sz="7200" b="1" dirty="0" err="1">
                 <a:latin typeface="Anette" pitchFamily="2" charset="0"/>
               </a:rPr>
               <a:t>tsapako</a:t>
             </a:r>
             <a:r>
-              <a:rPr lang="en-GB" sz="9600" b="1" dirty="0">
-                <a:latin typeface="Anette" pitchFamily="2" charset="0"/>
-              </a:rPr>
-              <a:t> </a:t>
-            </a:r>
-            <a:r>
-              <a:rPr lang="en-GB" sz="9600" b="1" dirty="0" err="1">
+              <a:rPr lang="en-GB" sz="7200" b="1" dirty="0">
+                <a:latin typeface="Anette" pitchFamily="2" charset="0"/>
+              </a:rPr>
+              <a:t> </a:t>
+            </a:r>
+            <a:r>
+              <a:rPr lang="en-GB" sz="7200" b="1" dirty="0" err="1">
                 <a:latin typeface="Anette" pitchFamily="2" charset="0"/>
               </a:rPr>
               <a:t>fa</a:t>
             </a:r>
             <a:r>
-              <a:rPr lang="en-GB" sz="9600" b="1" dirty="0">
-                <a:latin typeface="Anette" pitchFamily="2" charset="0"/>
-              </a:rPr>
-              <a:t> </a:t>
-            </a:r>
-            <a:r>
-              <a:rPr lang="en-GB" sz="9600" b="1" dirty="0" err="1">
+              <a:rPr lang="en-GB" sz="7200" b="1" dirty="0">
+                <a:latin typeface="Anette" pitchFamily="2" charset="0"/>
+              </a:rPr>
+              <a:t> </a:t>
+            </a:r>
+            <a:r>
+              <a:rPr lang="en-GB" sz="7200" b="1" dirty="0" err="1">
                 <a:latin typeface="Anette" pitchFamily="2" charset="0"/>
               </a:rPr>
               <a:t>novidianao</a:t>
             </a:r>
             <a:r>
-              <a:rPr lang="en-GB" sz="9600" b="1" dirty="0">
-                <a:latin typeface="Anette" pitchFamily="2" charset="0"/>
-              </a:rPr>
-              <a:t> </a:t>
-            </a:r>
-            <a:r>
-              <a:rPr lang="en-GB" sz="9600" b="1" dirty="0" err="1">
+              <a:rPr lang="en-GB" sz="7200" b="1" dirty="0">
+                <a:latin typeface="Anette" pitchFamily="2" charset="0"/>
+              </a:rPr>
+              <a:t> </a:t>
+            </a:r>
+            <a:r>
+              <a:rPr lang="en-GB" sz="7200" b="1" dirty="0" err="1">
                 <a:latin typeface="Anette" pitchFamily="2" charset="0"/>
               </a:rPr>
               <a:t>lafo</a:t>
             </a:r>
             <a:r>
-              <a:rPr lang="fr-FR" sz="9600" b="1" dirty="0">
+              <a:rPr lang="fr-FR" sz="7200" b="1" dirty="0">
                 <a:latin typeface="Anette" pitchFamily="2" charset="0"/>
               </a:rPr>
               <a:t/>
             </a:r>
             <a:br>
-              <a:rPr lang="fr-FR" sz="9600" b="1" dirty="0">
+              <a:rPr lang="fr-FR" sz="7200" b="1" dirty="0">
                 <a:latin typeface="Anette" pitchFamily="2" charset="0"/>
               </a:rPr>
             </a:br>
             <a:r>
-              <a:rPr lang="en-GB" sz="9600" b="1" dirty="0" err="1">
+              <a:rPr lang="en-GB" sz="7200" b="1" dirty="0" err="1">
                 <a:latin typeface="Anette" pitchFamily="2" charset="0"/>
               </a:rPr>
               <a:t>Tamin’ny</a:t>
             </a:r>
             <a:r>
-              <a:rPr lang="en-GB" sz="9600" b="1" dirty="0">
-                <a:latin typeface="Anette" pitchFamily="2" charset="0"/>
-              </a:rPr>
-              <a:t> </a:t>
-            </a:r>
-            <a:r>
-              <a:rPr lang="en-GB" sz="9600" b="1" dirty="0" err="1">
+              <a:rPr lang="en-GB" sz="7200" b="1" dirty="0">
+                <a:latin typeface="Anette" pitchFamily="2" charset="0"/>
+              </a:rPr>
+              <a:t> </a:t>
+            </a:r>
+            <a:r>
+              <a:rPr lang="en-GB" sz="7200" b="1" dirty="0" err="1">
                 <a:latin typeface="Anette" pitchFamily="2" charset="0"/>
               </a:rPr>
               <a:t>ranao</a:t>
             </a:r>
             <a:r>
-              <a:rPr lang="en-GB" sz="9600" b="1" dirty="0">
-                <a:latin typeface="Anette" pitchFamily="2" charset="0"/>
-              </a:rPr>
-              <a:t> </a:t>
-            </a:r>
-            <a:r>
-              <a:rPr lang="en-GB" sz="9600" b="1" dirty="0" err="1">
+              <a:rPr lang="en-GB" sz="7200" b="1" dirty="0">
+                <a:latin typeface="Anette" pitchFamily="2" charset="0"/>
+              </a:rPr>
+              <a:t> </a:t>
+            </a:r>
+            <a:r>
+              <a:rPr lang="en-GB" sz="7200" b="1" dirty="0" err="1">
                 <a:latin typeface="Anette" pitchFamily="2" charset="0"/>
               </a:rPr>
               <a:t>ny</a:t>
             </a:r>
             <a:r>
-              <a:rPr lang="en-GB" sz="9600" b="1" dirty="0">
-                <a:latin typeface="Anette" pitchFamily="2" charset="0"/>
-              </a:rPr>
-              <a:t> </a:t>
-            </a:r>
-            <a:r>
-              <a:rPr lang="en-GB" sz="9600" b="1" dirty="0" err="1">
+              <a:rPr lang="en-GB" sz="7200" b="1" dirty="0">
+                <a:latin typeface="Anette" pitchFamily="2" charset="0"/>
+              </a:rPr>
+              <a:t> </a:t>
+            </a:r>
+            <a:r>
+              <a:rPr lang="en-GB" sz="7200" b="1" dirty="0" err="1">
                 <a:latin typeface="Anette" pitchFamily="2" charset="0"/>
               </a:rPr>
               <a:t>tenako</a:t>
             </a:r>
             <a:r>
-              <a:rPr lang="en-GB" sz="6000" b="1" dirty="0"/>
+              <a:rPr lang="en-GB" b="1" dirty="0"/>
               <a:t>.</a:t>
             </a:r>
-            <a:endParaRPr lang="fr-FR" sz="6000" b="1" dirty="0"/>
+            <a:endParaRPr lang="fr-FR" b="1" dirty="0"/>
           </a:p>
         </p:txBody>
       </p:sp>
@@ -4339,7 +4339,7 @@
         </p:style>
         <p:txBody>
           <a:bodyPr>
-            <a:normAutofit/>
+            <a:normAutofit fontScale="90000"/>
           </a:bodyPr>
           <a:lstStyle/>
           <a:p>

--- a/Fihirana Fanampiny/FF 20.pptx
+++ b/Fihirana Fanampiny/FF 20.pptx
@@ -311,7 +311,7 @@
           <a:p>
             <a:fld id="{22D82888-5E52-4E10-A785-4BB12B5797CB}" type="datetimeFigureOut">
               <a:rPr lang="fr-FR" smtClean="0"/>
-              <a:t>25/08/2024</a:t>
+              <a:t>15/03/2025</a:t>
             </a:fld>
             <a:endParaRPr lang="fr-FR"/>
           </a:p>
@@ -488,7 +488,7 @@
           <a:p>
             <a:fld id="{22D82888-5E52-4E10-A785-4BB12B5797CB}" type="datetimeFigureOut">
               <a:rPr lang="fr-FR" smtClean="0"/>
-              <a:t>25/08/2024</a:t>
+              <a:t>15/03/2025</a:t>
             </a:fld>
             <a:endParaRPr lang="fr-FR"/>
           </a:p>
@@ -675,7 +675,7 @@
           <a:p>
             <a:fld id="{22D82888-5E52-4E10-A785-4BB12B5797CB}" type="datetimeFigureOut">
               <a:rPr lang="fr-FR" smtClean="0"/>
-              <a:t>25/08/2024</a:t>
+              <a:t>15/03/2025</a:t>
             </a:fld>
             <a:endParaRPr lang="fr-FR"/>
           </a:p>
@@ -852,7 +852,7 @@
           <a:p>
             <a:fld id="{22D82888-5E52-4E10-A785-4BB12B5797CB}" type="datetimeFigureOut">
               <a:rPr lang="fr-FR" smtClean="0"/>
-              <a:t>25/08/2024</a:t>
+              <a:t>15/03/2025</a:t>
             </a:fld>
             <a:endParaRPr lang="fr-FR"/>
           </a:p>
@@ -1105,7 +1105,7 @@
           <a:p>
             <a:fld id="{22D82888-5E52-4E10-A785-4BB12B5797CB}" type="datetimeFigureOut">
               <a:rPr lang="fr-FR" smtClean="0"/>
-              <a:t>25/08/2024</a:t>
+              <a:t>15/03/2025</a:t>
             </a:fld>
             <a:endParaRPr lang="fr-FR"/>
           </a:p>
@@ -1400,7 +1400,7 @@
           <a:p>
             <a:fld id="{22D82888-5E52-4E10-A785-4BB12B5797CB}" type="datetimeFigureOut">
               <a:rPr lang="fr-FR" smtClean="0"/>
-              <a:t>25/08/2024</a:t>
+              <a:t>15/03/2025</a:t>
             </a:fld>
             <a:endParaRPr lang="fr-FR"/>
           </a:p>
@@ -1829,7 +1829,7 @@
           <a:p>
             <a:fld id="{22D82888-5E52-4E10-A785-4BB12B5797CB}" type="datetimeFigureOut">
               <a:rPr lang="fr-FR" smtClean="0"/>
-              <a:t>25/08/2024</a:t>
+              <a:t>15/03/2025</a:t>
             </a:fld>
             <a:endParaRPr lang="fr-FR"/>
           </a:p>
@@ -1954,7 +1954,7 @@
           <a:p>
             <a:fld id="{22D82888-5E52-4E10-A785-4BB12B5797CB}" type="datetimeFigureOut">
               <a:rPr lang="fr-FR" smtClean="0"/>
-              <a:t>25/08/2024</a:t>
+              <a:t>15/03/2025</a:t>
             </a:fld>
             <a:endParaRPr lang="fr-FR"/>
           </a:p>
@@ -2056,7 +2056,7 @@
           <a:p>
             <a:fld id="{22D82888-5E52-4E10-A785-4BB12B5797CB}" type="datetimeFigureOut">
               <a:rPr lang="fr-FR" smtClean="0"/>
-              <a:t>25/08/2024</a:t>
+              <a:t>15/03/2025</a:t>
             </a:fld>
             <a:endParaRPr lang="fr-FR"/>
           </a:p>
@@ -2340,7 +2340,7 @@
           <a:p>
             <a:fld id="{22D82888-5E52-4E10-A785-4BB12B5797CB}" type="datetimeFigureOut">
               <a:rPr lang="fr-FR" smtClean="0"/>
-              <a:t>25/08/2024</a:t>
+              <a:t>15/03/2025</a:t>
             </a:fld>
             <a:endParaRPr lang="fr-FR"/>
           </a:p>
@@ -2600,7 +2600,7 @@
           <a:p>
             <a:fld id="{22D82888-5E52-4E10-A785-4BB12B5797CB}" type="datetimeFigureOut">
               <a:rPr lang="fr-FR" smtClean="0"/>
-              <a:t>25/08/2024</a:t>
+              <a:t>15/03/2025</a:t>
             </a:fld>
             <a:endParaRPr lang="fr-FR"/>
           </a:p>
@@ -2820,7 +2820,7 @@
           <a:p>
             <a:fld id="{22D82888-5E52-4E10-A785-4BB12B5797CB}" type="datetimeFigureOut">
               <a:rPr lang="fr-FR" smtClean="0"/>
-              <a:t>25/08/2024</a:t>
+              <a:t>15/03/2025</a:t>
             </a:fld>
             <a:endParaRPr lang="fr-FR"/>
           </a:p>
@@ -3413,7 +3413,7 @@
         <p:spPr>
           <a:xfrm>
             <a:off x="10344" y="0"/>
-            <a:ext cx="12181656" cy="6453336"/>
+            <a:ext cx="12181656" cy="6858000"/>
           </a:xfrm>
           <a:ln w="76200">
             <a:solidFill>
@@ -4035,219 +4035,219 @@
           <a:lstStyle/>
           <a:p>
             <a:r>
-              <a:rPr lang="en-GB" sz="8000" b="1" dirty="0" err="1">
+              <a:rPr lang="en-GB" sz="7200" b="1" dirty="0" err="1">
                 <a:latin typeface="Anette" pitchFamily="2" charset="0"/>
               </a:rPr>
               <a:t>Efa</a:t>
             </a:r>
             <a:r>
-              <a:rPr lang="en-GB" sz="8000" b="1" dirty="0">
-                <a:latin typeface="Anette" pitchFamily="2" charset="0"/>
-              </a:rPr>
-              <a:t> </a:t>
-            </a:r>
-            <a:r>
-              <a:rPr lang="en-GB" sz="8000" b="1" dirty="0" err="1">
+              <a:rPr lang="en-GB" sz="7200" b="1" dirty="0">
+                <a:latin typeface="Anette" pitchFamily="2" charset="0"/>
+              </a:rPr>
+              <a:t> </a:t>
+            </a:r>
+            <a:r>
+              <a:rPr lang="en-GB" sz="7200" b="1" dirty="0" err="1">
                 <a:latin typeface="Anette" pitchFamily="2" charset="0"/>
               </a:rPr>
               <a:t>trotraky</a:t>
             </a:r>
             <a:r>
-              <a:rPr lang="en-GB" sz="8000" b="1" dirty="0">
-                <a:latin typeface="Anette" pitchFamily="2" charset="0"/>
-              </a:rPr>
-              <a:t> </a:t>
-            </a:r>
-            <a:r>
-              <a:rPr lang="en-GB" sz="8000" b="1" dirty="0" err="1">
+              <a:rPr lang="en-GB" sz="7200" b="1" dirty="0">
+                <a:latin typeface="Anette" pitchFamily="2" charset="0"/>
+              </a:rPr>
+              <a:t> </a:t>
+            </a:r>
+            <a:r>
+              <a:rPr lang="en-GB" sz="7200" b="1" dirty="0" err="1">
                 <a:latin typeface="Anette" pitchFamily="2" charset="0"/>
               </a:rPr>
               <a:t>ny</a:t>
             </a:r>
             <a:r>
-              <a:rPr lang="en-GB" sz="8000" b="1" dirty="0">
-                <a:latin typeface="Anette" pitchFamily="2" charset="0"/>
-              </a:rPr>
-              <a:t> </a:t>
-            </a:r>
-            <a:r>
-              <a:rPr lang="en-GB" sz="8000" b="1" dirty="0" err="1">
+              <a:rPr lang="en-GB" sz="7200" b="1" dirty="0">
+                <a:latin typeface="Anette" pitchFamily="2" charset="0"/>
+              </a:rPr>
+              <a:t> </a:t>
+            </a:r>
+            <a:r>
+              <a:rPr lang="en-GB" sz="7200" b="1" dirty="0" err="1">
                 <a:latin typeface="Anette" pitchFamily="2" charset="0"/>
               </a:rPr>
               <a:t>adin-tsaina</a:t>
             </a:r>
             <a:r>
-              <a:rPr lang="fr-FR" sz="8000" b="1" dirty="0">
+              <a:rPr lang="fr-FR" sz="7200" b="1" dirty="0">
                 <a:latin typeface="Anette" pitchFamily="2" charset="0"/>
               </a:rPr>
               <a:t/>
             </a:r>
             <a:br>
-              <a:rPr lang="fr-FR" sz="8000" b="1" dirty="0">
+              <a:rPr lang="fr-FR" sz="7200" b="1" dirty="0">
                 <a:latin typeface="Anette" pitchFamily="2" charset="0"/>
               </a:rPr>
             </a:br>
             <a:r>
-              <a:rPr lang="en-GB" sz="8000" b="1" dirty="0" err="1">
+              <a:rPr lang="en-GB" sz="7200" b="1" dirty="0" err="1">
                 <a:latin typeface="Anette" pitchFamily="2" charset="0"/>
               </a:rPr>
               <a:t>Vao</a:t>
             </a:r>
             <a:r>
-              <a:rPr lang="en-GB" sz="8000" b="1" dirty="0">
-                <a:latin typeface="Anette" pitchFamily="2" charset="0"/>
-              </a:rPr>
-              <a:t> </a:t>
-            </a:r>
-            <a:r>
-              <a:rPr lang="en-GB" sz="8000" b="1" dirty="0" err="1">
+              <a:rPr lang="en-GB" sz="7200" b="1" dirty="0">
+                <a:latin typeface="Anette" pitchFamily="2" charset="0"/>
+              </a:rPr>
+              <a:t> </a:t>
+            </a:r>
+            <a:r>
+              <a:rPr lang="en-GB" sz="7200" b="1" dirty="0" err="1">
                 <a:latin typeface="Anette" pitchFamily="2" charset="0"/>
               </a:rPr>
               <a:t>mba</a:t>
             </a:r>
             <a:r>
-              <a:rPr lang="en-GB" sz="8000" b="1" dirty="0">
-                <a:latin typeface="Anette" pitchFamily="2" charset="0"/>
-              </a:rPr>
-              <a:t> </a:t>
-            </a:r>
-            <a:r>
-              <a:rPr lang="en-GB" sz="8000" b="1" dirty="0" err="1">
+              <a:rPr lang="en-GB" sz="7200" b="1" dirty="0">
+                <a:latin typeface="Anette" pitchFamily="2" charset="0"/>
+              </a:rPr>
+              <a:t> </a:t>
+            </a:r>
+            <a:r>
+              <a:rPr lang="en-GB" sz="7200" b="1" dirty="0" err="1">
                 <a:latin typeface="Anette" pitchFamily="2" charset="0"/>
               </a:rPr>
               <a:t>nahatsiaro</a:t>
             </a:r>
             <a:r>
-              <a:rPr lang="en-GB" sz="8000" b="1" dirty="0">
-                <a:latin typeface="Anette" pitchFamily="2" charset="0"/>
-              </a:rPr>
-              <a:t> </a:t>
-            </a:r>
-            <a:r>
-              <a:rPr lang="en-GB" sz="8000" b="1" dirty="0" err="1">
+              <a:rPr lang="en-GB" sz="7200" b="1" dirty="0">
+                <a:latin typeface="Anette" pitchFamily="2" charset="0"/>
+              </a:rPr>
+              <a:t> </a:t>
+            </a:r>
+            <a:r>
+              <a:rPr lang="en-GB" sz="7200" b="1" dirty="0" err="1">
                 <a:latin typeface="Anette" pitchFamily="2" charset="0"/>
               </a:rPr>
               <a:t>Anao</a:t>
             </a:r>
             <a:r>
-              <a:rPr lang="en-GB" sz="8000" b="1" dirty="0">
+              <a:rPr lang="en-GB" sz="7200" b="1" dirty="0">
                 <a:latin typeface="Anette" pitchFamily="2" charset="0"/>
               </a:rPr>
               <a:t>  </a:t>
             </a:r>
             <a:r>
-              <a:rPr lang="en-GB" sz="8000" b="1" dirty="0" err="1">
+              <a:rPr lang="en-GB" sz="7200" b="1" dirty="0" err="1">
                 <a:latin typeface="Anette" pitchFamily="2" charset="0"/>
               </a:rPr>
               <a:t>ry</a:t>
             </a:r>
             <a:r>
-              <a:rPr lang="en-GB" sz="8000" b="1" dirty="0">
-                <a:latin typeface="Anette" pitchFamily="2" charset="0"/>
-              </a:rPr>
-              <a:t> </a:t>
-            </a:r>
-            <a:r>
-              <a:rPr lang="en-GB" sz="8000" b="1" dirty="0" err="1">
+              <a:rPr lang="en-GB" sz="7200" b="1" dirty="0">
+                <a:latin typeface="Anette" pitchFamily="2" charset="0"/>
+              </a:rPr>
+              <a:t> </a:t>
+            </a:r>
+            <a:r>
+              <a:rPr lang="en-GB" sz="7200" b="1" dirty="0" err="1">
                 <a:latin typeface="Anette" pitchFamily="2" charset="0"/>
               </a:rPr>
               <a:t>Tompo</a:t>
             </a:r>
             <a:r>
-              <a:rPr lang="fr-FR" sz="8000" b="1" dirty="0">
+              <a:rPr lang="fr-FR" sz="7200" b="1" dirty="0">
                 <a:latin typeface="Anette" pitchFamily="2" charset="0"/>
               </a:rPr>
               <a:t/>
             </a:r>
             <a:br>
-              <a:rPr lang="fr-FR" sz="8000" b="1" dirty="0">
+              <a:rPr lang="fr-FR" sz="7200" b="1" dirty="0">
                 <a:latin typeface="Anette" pitchFamily="2" charset="0"/>
               </a:rPr>
             </a:br>
             <a:r>
-              <a:rPr lang="en-GB" sz="8000" b="1" dirty="0" err="1">
+              <a:rPr lang="en-GB" sz="7200" b="1" dirty="0" err="1">
                 <a:latin typeface="Anette" pitchFamily="2" charset="0"/>
               </a:rPr>
               <a:t>Menatr’aho</a:t>
             </a:r>
             <a:r>
-              <a:rPr lang="en-GB" sz="8000" b="1" dirty="0">
-                <a:latin typeface="Anette" pitchFamily="2" charset="0"/>
-              </a:rPr>
-              <a:t> </a:t>
-            </a:r>
-            <a:r>
-              <a:rPr lang="en-GB" sz="8000" b="1" dirty="0" err="1">
+              <a:rPr lang="en-GB" sz="7200" b="1" dirty="0">
+                <a:latin typeface="Anette" pitchFamily="2" charset="0"/>
+              </a:rPr>
+              <a:t> </a:t>
+            </a:r>
+            <a:r>
+              <a:rPr lang="en-GB" sz="7200" b="1" dirty="0" err="1">
                 <a:latin typeface="Anette" pitchFamily="2" charset="0"/>
               </a:rPr>
               <a:t>tsy</a:t>
             </a:r>
             <a:r>
-              <a:rPr lang="en-GB" sz="8000" b="1" dirty="0">
-                <a:latin typeface="Anette" pitchFamily="2" charset="0"/>
-              </a:rPr>
-              <a:t> </a:t>
-            </a:r>
-            <a:r>
-              <a:rPr lang="en-GB" sz="8000" b="1" dirty="0" err="1">
+              <a:rPr lang="en-GB" sz="7200" b="1" dirty="0">
+                <a:latin typeface="Anette" pitchFamily="2" charset="0"/>
+              </a:rPr>
+              <a:t> </a:t>
+            </a:r>
+            <a:r>
+              <a:rPr lang="en-GB" sz="7200" b="1" dirty="0" err="1">
                 <a:latin typeface="Anette" pitchFamily="2" charset="0"/>
               </a:rPr>
               <a:t>sahy</a:t>
             </a:r>
             <a:r>
-              <a:rPr lang="fr-FR" sz="8000" b="1" dirty="0">
-                <a:latin typeface="Anette" pitchFamily="2" charset="0"/>
-              </a:rPr>
-              <a:t> </a:t>
-            </a:r>
-            <a:r>
-              <a:rPr lang="en-GB" sz="8000" b="1" dirty="0" err="1">
+              <a:rPr lang="fr-FR" sz="7200" b="1" dirty="0">
+                <a:latin typeface="Anette" pitchFamily="2" charset="0"/>
+              </a:rPr>
+              <a:t> </a:t>
+            </a:r>
+            <a:r>
+              <a:rPr lang="en-GB" sz="7200" b="1" dirty="0" err="1">
                 <a:latin typeface="Anette" pitchFamily="2" charset="0"/>
               </a:rPr>
               <a:t>mitaraina</a:t>
             </a:r>
             <a:r>
-              <a:rPr lang="fr-FR" sz="8000" b="1" dirty="0">
+              <a:rPr lang="fr-FR" sz="7200" b="1" dirty="0">
                 <a:latin typeface="Anette" pitchFamily="2" charset="0"/>
               </a:rPr>
               <a:t/>
             </a:r>
             <a:br>
-              <a:rPr lang="fr-FR" sz="8000" b="1" dirty="0">
+              <a:rPr lang="fr-FR" sz="7200" b="1" dirty="0">
                 <a:latin typeface="Anette" pitchFamily="2" charset="0"/>
               </a:rPr>
             </a:br>
             <a:r>
-              <a:rPr lang="en-GB" sz="8000" b="1" dirty="0" err="1">
+              <a:rPr lang="en-GB" sz="7200" b="1" dirty="0" err="1">
                 <a:latin typeface="Anette" pitchFamily="2" charset="0"/>
               </a:rPr>
               <a:t>Ry</a:t>
             </a:r>
             <a:r>
-              <a:rPr lang="en-GB" sz="8000" b="1" dirty="0">
-                <a:latin typeface="Anette" pitchFamily="2" charset="0"/>
-              </a:rPr>
-              <a:t> </a:t>
-            </a:r>
-            <a:r>
-              <a:rPr lang="en-GB" sz="8000" b="1" dirty="0" err="1">
+              <a:rPr lang="en-GB" sz="7200" b="1" dirty="0">
+                <a:latin typeface="Anette" pitchFamily="2" charset="0"/>
+              </a:rPr>
+              <a:t> </a:t>
+            </a:r>
+            <a:r>
+              <a:rPr lang="en-GB" sz="7200" b="1" dirty="0" err="1">
                 <a:latin typeface="Anette" pitchFamily="2" charset="0"/>
               </a:rPr>
               <a:t>Jesoa</a:t>
             </a:r>
             <a:r>
-              <a:rPr lang="en-GB" sz="8000" b="1" dirty="0">
-                <a:latin typeface="Anette" pitchFamily="2" charset="0"/>
-              </a:rPr>
-              <a:t> </a:t>
-            </a:r>
-            <a:r>
-              <a:rPr lang="en-GB" sz="8000" b="1" dirty="0" err="1" smtClean="0">
+              <a:rPr lang="en-GB" sz="7200" b="1" dirty="0">
+                <a:latin typeface="Anette" pitchFamily="2" charset="0"/>
+              </a:rPr>
+              <a:t> </a:t>
+            </a:r>
+            <a:r>
+              <a:rPr lang="en-GB" sz="7200" b="1" dirty="0" err="1" smtClean="0">
                 <a:latin typeface="Anette" pitchFamily="2" charset="0"/>
               </a:rPr>
               <a:t>fitiavana</a:t>
             </a:r>
-            <a:endParaRPr lang="fr-FR" sz="8000" b="1" dirty="0">
+            <a:endParaRPr lang="fr-FR" sz="7200" b="1" dirty="0">
               <a:latin typeface="Anette" pitchFamily="2" charset="0"/>
             </a:endParaRPr>
           </a:p>
@@ -4339,210 +4339,210 @@
         </p:style>
         <p:txBody>
           <a:bodyPr>
-            <a:normAutofit fontScale="90000"/>
+            <a:noAutofit/>
           </a:bodyPr>
           <a:lstStyle/>
           <a:p>
             <a:r>
-              <a:rPr lang="en-GB" sz="9600" b="1" dirty="0" err="1">
+              <a:rPr lang="en-GB" sz="7200" b="1" dirty="0" err="1">
                 <a:latin typeface="Anette" pitchFamily="2" charset="0"/>
               </a:rPr>
               <a:t>Kanjo</a:t>
             </a:r>
             <a:r>
-              <a:rPr lang="en-GB" sz="9600" b="1" dirty="0">
-                <a:latin typeface="Anette" pitchFamily="2" charset="0"/>
-              </a:rPr>
-              <a:t> </a:t>
-            </a:r>
-            <a:r>
-              <a:rPr lang="en-GB" sz="9600" b="1" dirty="0" err="1">
+              <a:rPr lang="en-GB" sz="7200" b="1" dirty="0">
+                <a:latin typeface="Anette" pitchFamily="2" charset="0"/>
+              </a:rPr>
+              <a:t> </a:t>
+            </a:r>
+            <a:r>
+              <a:rPr lang="en-GB" sz="7200" b="1" dirty="0" err="1">
                 <a:latin typeface="Anette" pitchFamily="2" charset="0"/>
               </a:rPr>
               <a:t>tambitamby</a:t>
             </a:r>
             <a:r>
-              <a:rPr lang="en-GB" sz="9600" b="1" dirty="0">
-                <a:latin typeface="Anette" pitchFamily="2" charset="0"/>
-              </a:rPr>
-              <a:t> </a:t>
-            </a:r>
-            <a:r>
-              <a:rPr lang="en-GB" sz="9600" b="1" dirty="0" err="1">
+              <a:rPr lang="en-GB" sz="7200" b="1" dirty="0">
+                <a:latin typeface="Anette" pitchFamily="2" charset="0"/>
+              </a:rPr>
+              <a:t> </a:t>
+            </a:r>
+            <a:r>
+              <a:rPr lang="en-GB" sz="7200" b="1" dirty="0" err="1">
                 <a:latin typeface="Anette" pitchFamily="2" charset="0"/>
               </a:rPr>
               <a:t>safosafo</a:t>
             </a:r>
             <a:r>
-              <a:rPr lang="en-GB" sz="9600" b="1" dirty="0">
+              <a:rPr lang="en-GB" sz="7200" b="1" dirty="0">
                 <a:latin typeface="Anette" pitchFamily="2" charset="0"/>
               </a:rPr>
               <a:t/>
             </a:r>
             <a:br>
-              <a:rPr lang="en-GB" sz="9600" b="1" dirty="0">
+              <a:rPr lang="en-GB" sz="7200" b="1" dirty="0">
                 <a:latin typeface="Anette" pitchFamily="2" charset="0"/>
               </a:rPr>
             </a:br>
             <a:r>
-              <a:rPr lang="en-GB" sz="9600" b="1" dirty="0">
+              <a:rPr lang="en-GB" sz="7200" b="1" dirty="0">
                 <a:latin typeface="Anette" pitchFamily="2" charset="0"/>
               </a:rPr>
               <a:t>No </a:t>
             </a:r>
             <a:r>
-              <a:rPr lang="en-GB" sz="9600" b="1" dirty="0" err="1">
+              <a:rPr lang="en-GB" sz="7200" b="1" dirty="0" err="1">
                 <a:latin typeface="Anette" pitchFamily="2" charset="0"/>
               </a:rPr>
               <a:t>nasetrinao</a:t>
             </a:r>
             <a:r>
-              <a:rPr lang="en-GB" sz="9600" b="1" dirty="0">
-                <a:latin typeface="Anette" pitchFamily="2" charset="0"/>
-              </a:rPr>
-              <a:t> </a:t>
-            </a:r>
-            <a:r>
-              <a:rPr lang="en-GB" sz="9600" b="1" dirty="0" err="1">
+              <a:rPr lang="en-GB" sz="7200" b="1" dirty="0">
+                <a:latin typeface="Anette" pitchFamily="2" charset="0"/>
+              </a:rPr>
+              <a:t> </a:t>
+            </a:r>
+            <a:r>
+              <a:rPr lang="en-GB" sz="7200" b="1" dirty="0" err="1">
                 <a:latin typeface="Anette" pitchFamily="2" charset="0"/>
               </a:rPr>
               <a:t>ny</a:t>
             </a:r>
             <a:r>
-              <a:rPr lang="en-GB" sz="9600" b="1" dirty="0">
-                <a:latin typeface="Anette" pitchFamily="2" charset="0"/>
-              </a:rPr>
-              <a:t> </a:t>
-            </a:r>
-            <a:r>
-              <a:rPr lang="en-GB" sz="9600" b="1" dirty="0" err="1">
+              <a:rPr lang="en-GB" sz="7200" b="1" dirty="0">
+                <a:latin typeface="Anette" pitchFamily="2" charset="0"/>
+              </a:rPr>
+              <a:t> </a:t>
+            </a:r>
+            <a:r>
+              <a:rPr lang="en-GB" sz="7200" b="1" dirty="0" err="1">
                 <a:latin typeface="Anette" pitchFamily="2" charset="0"/>
               </a:rPr>
               <a:t>ditrako</a:t>
             </a:r>
             <a:r>
-              <a:rPr lang="fr-FR" sz="9600" b="1" dirty="0">
+              <a:rPr lang="fr-FR" sz="7200" b="1" dirty="0">
                 <a:latin typeface="Anette" pitchFamily="2" charset="0"/>
               </a:rPr>
               <a:t/>
             </a:r>
             <a:br>
-              <a:rPr lang="fr-FR" sz="9600" b="1" dirty="0">
+              <a:rPr lang="fr-FR" sz="7200" b="1" dirty="0">
                 <a:latin typeface="Anette" pitchFamily="2" charset="0"/>
               </a:rPr>
             </a:br>
             <a:r>
-              <a:rPr lang="en-GB" sz="9600" b="1" dirty="0" err="1">
+              <a:rPr lang="en-GB" sz="7200" b="1" dirty="0" err="1">
                 <a:latin typeface="Anette" pitchFamily="2" charset="0"/>
               </a:rPr>
               <a:t>Eny</a:t>
             </a:r>
             <a:r>
-              <a:rPr lang="en-GB" sz="9600" b="1" dirty="0">
-                <a:latin typeface="Anette" pitchFamily="2" charset="0"/>
-              </a:rPr>
-              <a:t> </a:t>
-            </a:r>
-            <a:r>
-              <a:rPr lang="en-GB" sz="9600" b="1" dirty="0" err="1">
+              <a:rPr lang="en-GB" sz="7200" b="1" dirty="0">
+                <a:latin typeface="Anette" pitchFamily="2" charset="0"/>
+              </a:rPr>
+              <a:t> </a:t>
+            </a:r>
+            <a:r>
+              <a:rPr lang="en-GB" sz="7200" b="1" dirty="0" err="1">
                 <a:latin typeface="Anette" pitchFamily="2" charset="0"/>
               </a:rPr>
               <a:t>tsapako</a:t>
             </a:r>
             <a:r>
-              <a:rPr lang="en-GB" sz="9600" b="1" dirty="0">
-                <a:latin typeface="Anette" pitchFamily="2" charset="0"/>
-              </a:rPr>
-              <a:t> </a:t>
-            </a:r>
-            <a:r>
-              <a:rPr lang="en-GB" sz="9600" b="1" dirty="0" err="1">
+              <a:rPr lang="en-GB" sz="7200" b="1" dirty="0">
+                <a:latin typeface="Anette" pitchFamily="2" charset="0"/>
+              </a:rPr>
+              <a:t> </a:t>
+            </a:r>
+            <a:r>
+              <a:rPr lang="en-GB" sz="7200" b="1" dirty="0" err="1">
                 <a:latin typeface="Anette" pitchFamily="2" charset="0"/>
               </a:rPr>
               <a:t>fa</a:t>
             </a:r>
             <a:r>
-              <a:rPr lang="en-GB" sz="9600" b="1" dirty="0">
-                <a:latin typeface="Anette" pitchFamily="2" charset="0"/>
-              </a:rPr>
-              <a:t> </a:t>
-            </a:r>
-            <a:r>
-              <a:rPr lang="en-GB" sz="9600" b="1" dirty="0" err="1">
+              <a:rPr lang="en-GB" sz="7200" b="1" dirty="0">
+                <a:latin typeface="Anette" pitchFamily="2" charset="0"/>
+              </a:rPr>
+              <a:t> </a:t>
+            </a:r>
+            <a:r>
+              <a:rPr lang="en-GB" sz="7200" b="1" dirty="0" err="1">
                 <a:latin typeface="Anette" pitchFamily="2" charset="0"/>
               </a:rPr>
               <a:t>novidianao</a:t>
             </a:r>
             <a:r>
-              <a:rPr lang="en-GB" sz="9600" b="1" dirty="0">
-                <a:latin typeface="Anette" pitchFamily="2" charset="0"/>
-              </a:rPr>
-              <a:t> </a:t>
-            </a:r>
-            <a:r>
-              <a:rPr lang="en-GB" sz="9600" b="1" dirty="0" err="1">
+              <a:rPr lang="en-GB" sz="7200" b="1" dirty="0">
+                <a:latin typeface="Anette" pitchFamily="2" charset="0"/>
+              </a:rPr>
+              <a:t> </a:t>
+            </a:r>
+            <a:r>
+              <a:rPr lang="en-GB" sz="7200" b="1" dirty="0" err="1">
                 <a:latin typeface="Anette" pitchFamily="2" charset="0"/>
               </a:rPr>
               <a:t>lafo</a:t>
             </a:r>
             <a:r>
-              <a:rPr lang="fr-FR" sz="9600" b="1" dirty="0">
+              <a:rPr lang="fr-FR" sz="7200" b="1" dirty="0">
                 <a:latin typeface="Anette" pitchFamily="2" charset="0"/>
               </a:rPr>
               <a:t/>
             </a:r>
             <a:br>
-              <a:rPr lang="fr-FR" sz="9600" b="1" dirty="0">
+              <a:rPr lang="fr-FR" sz="7200" b="1" dirty="0">
                 <a:latin typeface="Anette" pitchFamily="2" charset="0"/>
               </a:rPr>
             </a:br>
             <a:r>
-              <a:rPr lang="en-GB" sz="9600" b="1" dirty="0" err="1">
+              <a:rPr lang="en-GB" sz="7200" b="1" dirty="0" err="1">
                 <a:latin typeface="Anette" pitchFamily="2" charset="0"/>
               </a:rPr>
               <a:t>Tamin’ny</a:t>
             </a:r>
             <a:r>
-              <a:rPr lang="en-GB" sz="9600" b="1" dirty="0">
-                <a:latin typeface="Anette" pitchFamily="2" charset="0"/>
-              </a:rPr>
-              <a:t> </a:t>
-            </a:r>
-            <a:r>
-              <a:rPr lang="en-GB" sz="9600" b="1" dirty="0" err="1">
+              <a:rPr lang="en-GB" sz="7200" b="1" dirty="0">
+                <a:latin typeface="Anette" pitchFamily="2" charset="0"/>
+              </a:rPr>
+              <a:t> </a:t>
+            </a:r>
+            <a:r>
+              <a:rPr lang="en-GB" sz="7200" b="1" dirty="0" err="1">
                 <a:latin typeface="Anette" pitchFamily="2" charset="0"/>
               </a:rPr>
               <a:t>ranao</a:t>
             </a:r>
             <a:r>
-              <a:rPr lang="en-GB" sz="9600" b="1" dirty="0">
-                <a:latin typeface="Anette" pitchFamily="2" charset="0"/>
-              </a:rPr>
-              <a:t> </a:t>
-            </a:r>
-            <a:r>
-              <a:rPr lang="en-GB" sz="9600" b="1" dirty="0" err="1">
+              <a:rPr lang="en-GB" sz="7200" b="1" dirty="0">
+                <a:latin typeface="Anette" pitchFamily="2" charset="0"/>
+              </a:rPr>
+              <a:t> </a:t>
+            </a:r>
+            <a:r>
+              <a:rPr lang="en-GB" sz="7200" b="1" dirty="0" err="1">
                 <a:latin typeface="Anette" pitchFamily="2" charset="0"/>
               </a:rPr>
               <a:t>ny</a:t>
             </a:r>
             <a:r>
-              <a:rPr lang="en-GB" sz="9600" b="1" dirty="0">
-                <a:latin typeface="Anette" pitchFamily="2" charset="0"/>
-              </a:rPr>
-              <a:t> </a:t>
-            </a:r>
-            <a:r>
-              <a:rPr lang="en-GB" sz="9600" b="1" dirty="0" err="1">
+              <a:rPr lang="en-GB" sz="7200" b="1" dirty="0">
+                <a:latin typeface="Anette" pitchFamily="2" charset="0"/>
+              </a:rPr>
+              <a:t> </a:t>
+            </a:r>
+            <a:r>
+              <a:rPr lang="en-GB" sz="7200" b="1" dirty="0" err="1">
                 <a:latin typeface="Anette" pitchFamily="2" charset="0"/>
               </a:rPr>
               <a:t>tenako</a:t>
             </a:r>
             <a:r>
-              <a:rPr lang="en-GB" sz="6000" b="1" dirty="0"/>
+              <a:rPr lang="en-GB" b="1" dirty="0"/>
               <a:t>.</a:t>
             </a:r>
-            <a:endParaRPr lang="fr-FR" sz="6000" b="1" dirty="0"/>
+            <a:endParaRPr lang="fr-FR" b="1" dirty="0"/>
           </a:p>
         </p:txBody>
       </p:sp>
@@ -4635,237 +4635,237 @@
           <a:lstStyle/>
           <a:p>
             <a:r>
-              <a:rPr lang="en-GB" sz="8800" b="1" dirty="0" err="1">
+              <a:rPr lang="en-GB" sz="6000" b="1" dirty="0" err="1">
                 <a:latin typeface="Anette" pitchFamily="2" charset="0"/>
               </a:rPr>
               <a:t>Jeso</a:t>
             </a:r>
             <a:r>
-              <a:rPr lang="en-GB" sz="8800" b="1" dirty="0">
-                <a:latin typeface="Anette" pitchFamily="2" charset="0"/>
-              </a:rPr>
-              <a:t> </a:t>
-            </a:r>
-            <a:r>
-              <a:rPr lang="en-GB" sz="8800" b="1" dirty="0" err="1">
+              <a:rPr lang="en-GB" sz="6000" b="1" dirty="0">
+                <a:latin typeface="Anette" pitchFamily="2" charset="0"/>
+              </a:rPr>
+              <a:t> </a:t>
+            </a:r>
+            <a:r>
+              <a:rPr lang="en-GB" sz="6000" b="1" dirty="0" err="1">
                 <a:latin typeface="Anette" pitchFamily="2" charset="0"/>
               </a:rPr>
               <a:t>malalako</a:t>
             </a:r>
             <a:r>
-              <a:rPr lang="en-GB" sz="8800" b="1" dirty="0">
-                <a:latin typeface="Anette" pitchFamily="2" charset="0"/>
-              </a:rPr>
-              <a:t> </a:t>
-            </a:r>
-            <a:r>
-              <a:rPr lang="en-GB" sz="8800" b="1" dirty="0" err="1">
+              <a:rPr lang="en-GB" sz="6000" b="1" dirty="0">
+                <a:latin typeface="Anette" pitchFamily="2" charset="0"/>
+              </a:rPr>
+              <a:t> </a:t>
+            </a:r>
+            <a:r>
+              <a:rPr lang="en-GB" sz="6000" b="1" dirty="0" err="1">
                 <a:latin typeface="Anette" pitchFamily="2" charset="0"/>
               </a:rPr>
               <a:t>tafio</a:t>
             </a:r>
             <a:r>
-              <a:rPr lang="en-GB" sz="8800" b="1" dirty="0">
-                <a:latin typeface="Anette" pitchFamily="2" charset="0"/>
-              </a:rPr>
-              <a:t> </a:t>
-            </a:r>
-            <a:r>
-              <a:rPr lang="en-GB" sz="8800" b="1" dirty="0" err="1">
+              <a:rPr lang="en-GB" sz="6000" b="1" dirty="0">
+                <a:latin typeface="Anette" pitchFamily="2" charset="0"/>
+              </a:rPr>
+              <a:t> </a:t>
+            </a:r>
+            <a:r>
+              <a:rPr lang="en-GB" sz="6000" b="1" dirty="0" err="1">
                 <a:latin typeface="Anette" pitchFamily="2" charset="0"/>
               </a:rPr>
               <a:t>ny</a:t>
             </a:r>
             <a:r>
-              <a:rPr lang="fr-FR" sz="8800" b="1" dirty="0">
-                <a:latin typeface="Anette" pitchFamily="2" charset="0"/>
-              </a:rPr>
-              <a:t> </a:t>
-            </a:r>
-            <a:r>
-              <a:rPr lang="en-GB" sz="8800" b="1" dirty="0" err="1">
+              <a:rPr lang="fr-FR" sz="6000" b="1" dirty="0">
+                <a:latin typeface="Anette" pitchFamily="2" charset="0"/>
+              </a:rPr>
+              <a:t> </a:t>
+            </a:r>
+            <a:r>
+              <a:rPr lang="en-GB" sz="6000" b="1" dirty="0" err="1">
                 <a:latin typeface="Anette" pitchFamily="2" charset="0"/>
               </a:rPr>
               <a:t>herinao</a:t>
             </a:r>
             <a:r>
-              <a:rPr lang="fr-FR" sz="8800" b="1" dirty="0">
+              <a:rPr lang="fr-FR" sz="6000" b="1" dirty="0">
                 <a:latin typeface="Anette" pitchFamily="2" charset="0"/>
               </a:rPr>
               <a:t/>
             </a:r>
             <a:br>
-              <a:rPr lang="fr-FR" sz="8800" b="1" dirty="0">
+              <a:rPr lang="fr-FR" sz="6000" b="1" dirty="0">
                 <a:latin typeface="Anette" pitchFamily="2" charset="0"/>
               </a:rPr>
             </a:br>
             <a:r>
-              <a:rPr lang="en-GB" sz="8800" b="1" dirty="0" err="1">
+              <a:rPr lang="en-GB" sz="6000" b="1" dirty="0" err="1">
                 <a:latin typeface="Anette" pitchFamily="2" charset="0"/>
               </a:rPr>
               <a:t>Hahaizako</a:t>
             </a:r>
             <a:r>
-              <a:rPr lang="en-GB" sz="8800" b="1" dirty="0">
-                <a:latin typeface="Anette" pitchFamily="2" charset="0"/>
-              </a:rPr>
-              <a:t> </a:t>
-            </a:r>
-            <a:r>
-              <a:rPr lang="en-GB" sz="8800" b="1" dirty="0" err="1">
+              <a:rPr lang="en-GB" sz="6000" b="1" dirty="0">
+                <a:latin typeface="Anette" pitchFamily="2" charset="0"/>
+              </a:rPr>
+              <a:t> </a:t>
+            </a:r>
+            <a:r>
+              <a:rPr lang="en-GB" sz="6000" b="1" dirty="0" err="1">
                 <a:latin typeface="Anette" pitchFamily="2" charset="0"/>
               </a:rPr>
               <a:t>mandresy</a:t>
             </a:r>
             <a:r>
-              <a:rPr lang="fr-FR" sz="8800" b="1" dirty="0">
-                <a:latin typeface="Anette" pitchFamily="2" charset="0"/>
-              </a:rPr>
-              <a:t> </a:t>
-            </a:r>
-            <a:r>
-              <a:rPr lang="en-GB" sz="8800" b="1" dirty="0" err="1">
+              <a:rPr lang="fr-FR" sz="6000" b="1" dirty="0">
+                <a:latin typeface="Anette" pitchFamily="2" charset="0"/>
+              </a:rPr>
+              <a:t> </a:t>
+            </a:r>
+            <a:r>
+              <a:rPr lang="en-GB" sz="6000" b="1" dirty="0" err="1">
                 <a:latin typeface="Anette" pitchFamily="2" charset="0"/>
               </a:rPr>
               <a:t>ny</a:t>
             </a:r>
             <a:r>
-              <a:rPr lang="en-GB" sz="8800" b="1" dirty="0">
-                <a:latin typeface="Anette" pitchFamily="2" charset="0"/>
-              </a:rPr>
-              <a:t> </a:t>
-            </a:r>
-            <a:r>
-              <a:rPr lang="en-GB" sz="8800" b="1" dirty="0" err="1" smtClean="0">
+              <a:rPr lang="en-GB" sz="6000" b="1" dirty="0">
+                <a:latin typeface="Anette" pitchFamily="2" charset="0"/>
+              </a:rPr>
+              <a:t> </a:t>
+            </a:r>
+            <a:r>
+              <a:rPr lang="en-GB" sz="6000" b="1" dirty="0" err="1" smtClean="0">
                 <a:latin typeface="Anette" pitchFamily="2" charset="0"/>
               </a:rPr>
               <a:t>fakam-panahy</a:t>
             </a:r>
             <a:r>
-              <a:rPr lang="fr-FR" sz="8800" b="1" dirty="0">
+              <a:rPr lang="fr-FR" sz="6000" b="1" dirty="0">
                 <a:latin typeface="Anette" pitchFamily="2" charset="0"/>
               </a:rPr>
               <a:t/>
             </a:r>
             <a:br>
-              <a:rPr lang="fr-FR" sz="8800" b="1" dirty="0">
+              <a:rPr lang="fr-FR" sz="6000" b="1" dirty="0">
                 <a:latin typeface="Anette" pitchFamily="2" charset="0"/>
               </a:rPr>
             </a:br>
             <a:r>
-              <a:rPr lang="en-GB" sz="8800" b="1" dirty="0">
+              <a:rPr lang="en-GB" sz="6000" b="1" dirty="0">
                 <a:latin typeface="Anette" pitchFamily="2" charset="0"/>
               </a:rPr>
               <a:t>He! </a:t>
             </a:r>
             <a:r>
-              <a:rPr lang="en-GB" sz="8800" b="1" dirty="0" err="1">
+              <a:rPr lang="en-GB" sz="6000" b="1" dirty="0" err="1">
                 <a:latin typeface="Anette" pitchFamily="2" charset="0"/>
               </a:rPr>
               <a:t>Tsinotsinona</a:t>
             </a:r>
             <a:r>
-              <a:rPr lang="fr-FR" sz="8800" b="1" dirty="0">
-                <a:latin typeface="Anette" pitchFamily="2" charset="0"/>
-              </a:rPr>
-              <a:t> </a:t>
-            </a:r>
-            <a:r>
-              <a:rPr lang="en-GB" sz="8800" b="1" dirty="0" err="1">
+              <a:rPr lang="fr-FR" sz="6000" b="1" dirty="0">
+                <a:latin typeface="Anette" pitchFamily="2" charset="0"/>
+              </a:rPr>
+              <a:t> </a:t>
+            </a:r>
+            <a:r>
+              <a:rPr lang="en-GB" sz="6000" b="1" dirty="0" err="1">
                 <a:latin typeface="Anette" pitchFamily="2" charset="0"/>
               </a:rPr>
               <a:t>izao</a:t>
             </a:r>
             <a:r>
-              <a:rPr lang="en-GB" sz="8800" b="1" dirty="0">
-                <a:latin typeface="Anette" pitchFamily="2" charset="0"/>
-              </a:rPr>
-              <a:t> </a:t>
-            </a:r>
-            <a:r>
-              <a:rPr lang="en-GB" sz="8800" b="1" dirty="0" err="1">
+              <a:rPr lang="en-GB" sz="6000" b="1" dirty="0">
+                <a:latin typeface="Anette" pitchFamily="2" charset="0"/>
+              </a:rPr>
+              <a:t> </a:t>
+            </a:r>
+            <a:r>
+              <a:rPr lang="en-GB" sz="6000" b="1" dirty="0" err="1">
                 <a:latin typeface="Anette" pitchFamily="2" charset="0"/>
               </a:rPr>
               <a:t>tontonlo</a:t>
             </a:r>
             <a:r>
-              <a:rPr lang="en-GB" sz="8800" b="1" dirty="0">
-                <a:latin typeface="Anette" pitchFamily="2" charset="0"/>
-              </a:rPr>
-              <a:t> </a:t>
-            </a:r>
-            <a:r>
-              <a:rPr lang="en-GB" sz="8800" b="1" dirty="0" err="1">
+              <a:rPr lang="en-GB" sz="6000" b="1" dirty="0">
+                <a:latin typeface="Anette" pitchFamily="2" charset="0"/>
+              </a:rPr>
+              <a:t> </a:t>
+            </a:r>
+            <a:r>
+              <a:rPr lang="en-GB" sz="6000" b="1" dirty="0" err="1">
                 <a:latin typeface="Anette" pitchFamily="2" charset="0"/>
               </a:rPr>
               <a:t>izao</a:t>
             </a:r>
             <a:r>
-              <a:rPr lang="fr-FR" sz="8800" b="1" dirty="0">
+              <a:rPr lang="fr-FR" sz="6000" b="1" dirty="0">
                 <a:latin typeface="Anette" pitchFamily="2" charset="0"/>
               </a:rPr>
               <a:t/>
             </a:r>
             <a:br>
-              <a:rPr lang="fr-FR" sz="8800" b="1" dirty="0">
+              <a:rPr lang="fr-FR" sz="6000" b="1" dirty="0">
                 <a:latin typeface="Anette" pitchFamily="2" charset="0"/>
               </a:rPr>
             </a:br>
             <a:r>
-              <a:rPr lang="en-GB" sz="8800" b="1" dirty="0" err="1">
+              <a:rPr lang="en-GB" sz="6000" b="1" dirty="0" err="1">
                 <a:latin typeface="Anette" pitchFamily="2" charset="0"/>
               </a:rPr>
               <a:t>Fa</a:t>
             </a:r>
             <a:r>
-              <a:rPr lang="en-GB" sz="8800" b="1" dirty="0">
-                <a:latin typeface="Anette" pitchFamily="2" charset="0"/>
-              </a:rPr>
-              <a:t> </a:t>
-            </a:r>
-            <a:r>
-              <a:rPr lang="en-GB" sz="8800" b="1" dirty="0" err="1">
+              <a:rPr lang="en-GB" sz="6000" b="1" dirty="0">
+                <a:latin typeface="Anette" pitchFamily="2" charset="0"/>
+              </a:rPr>
+              <a:t> </a:t>
+            </a:r>
+            <a:r>
+              <a:rPr lang="en-GB" sz="6000" b="1" dirty="0" err="1">
                 <a:latin typeface="Anette" pitchFamily="2" charset="0"/>
               </a:rPr>
               <a:t>fanimbana</a:t>
             </a:r>
             <a:r>
-              <a:rPr lang="en-GB" sz="8800" b="1" dirty="0">
-                <a:latin typeface="Anette" pitchFamily="2" charset="0"/>
-              </a:rPr>
-              <a:t> </a:t>
-            </a:r>
-            <a:r>
-              <a:rPr lang="en-GB" sz="8800" b="1" dirty="0" err="1">
+              <a:rPr lang="en-GB" sz="6000" b="1" dirty="0">
+                <a:latin typeface="Anette" pitchFamily="2" charset="0"/>
+              </a:rPr>
+              <a:t> </a:t>
+            </a:r>
+            <a:r>
+              <a:rPr lang="en-GB" sz="6000" b="1" dirty="0" err="1">
                 <a:latin typeface="Anette" pitchFamily="2" charset="0"/>
               </a:rPr>
               <a:t>tena</a:t>
             </a:r>
             <a:r>
-              <a:rPr lang="en-GB" sz="8800" b="1" dirty="0">
-                <a:latin typeface="Anette" pitchFamily="2" charset="0"/>
-              </a:rPr>
-              <a:t> </a:t>
-            </a:r>
-            <a:r>
-              <a:rPr lang="en-GB" sz="8800" b="1" dirty="0" err="1">
+              <a:rPr lang="en-GB" sz="6000" b="1" dirty="0">
+                <a:latin typeface="Anette" pitchFamily="2" charset="0"/>
+              </a:rPr>
+              <a:t> </a:t>
+            </a:r>
+            <a:r>
+              <a:rPr lang="en-GB" sz="6000" b="1" dirty="0" err="1">
                 <a:latin typeface="Anette" pitchFamily="2" charset="0"/>
               </a:rPr>
               <a:t>sy</a:t>
             </a:r>
             <a:r>
-              <a:rPr lang="fr-FR" sz="8800" b="1" dirty="0">
-                <a:latin typeface="Anette" pitchFamily="2" charset="0"/>
-              </a:rPr>
-              <a:t> </a:t>
-            </a:r>
-            <a:r>
-              <a:rPr lang="en-GB" sz="8800" b="1" dirty="0" err="1">
+              <a:rPr lang="fr-FR" sz="6000" b="1" dirty="0">
+                <a:latin typeface="Anette" pitchFamily="2" charset="0"/>
+              </a:rPr>
+              <a:t> </a:t>
+            </a:r>
+            <a:r>
+              <a:rPr lang="en-GB" sz="6000" b="1" dirty="0" err="1">
                 <a:latin typeface="Anette" pitchFamily="2" charset="0"/>
               </a:rPr>
               <a:t>fanahy</a:t>
             </a:r>
-            <a:endParaRPr lang="fr-FR" sz="8800" b="1" dirty="0">
+            <a:endParaRPr lang="fr-FR" sz="6000" b="1" dirty="0">
               <a:latin typeface="Anette" pitchFamily="2" charset="0"/>
             </a:endParaRPr>
           </a:p>
@@ -4970,7 +4970,7 @@
           <a:lstStyle/>
           <a:p>
             <a:r>
-              <a:rPr lang="en-GB" sz="8800" b="1" dirty="0">
+              <a:rPr lang="en-GB" sz="6000" b="1" dirty="0">
                 <a:solidFill>
                   <a:schemeClr val="bg1"/>
                 </a:solidFill>
@@ -4979,7 +4979,7 @@
               <a:t>Ho </a:t>
             </a:r>
             <a:r>
-              <a:rPr lang="en-GB" sz="8800" b="1" dirty="0" err="1">
+              <a:rPr lang="en-GB" sz="6000" b="1" dirty="0" err="1">
                 <a:solidFill>
                   <a:schemeClr val="bg1"/>
                 </a:solidFill>
@@ -4988,7 +4988,7 @@
               <a:t>reharehako</a:t>
             </a:r>
             <a:r>
-              <a:rPr lang="fr-FR" sz="8800" b="1" dirty="0">
+              <a:rPr lang="fr-FR" sz="6000" b="1" dirty="0">
                 <a:solidFill>
                   <a:schemeClr val="bg1"/>
                 </a:solidFill>
@@ -4997,7 +4997,7 @@
               <a:t> </a:t>
             </a:r>
             <a:r>
-              <a:rPr lang="en-GB" sz="8800" b="1" dirty="0" err="1">
+              <a:rPr lang="en-GB" sz="6000" b="1" dirty="0" err="1">
                 <a:solidFill>
                   <a:schemeClr val="bg1"/>
                 </a:solidFill>
@@ -5006,7 +5006,7 @@
               <a:t>ilay</a:t>
             </a:r>
             <a:r>
-              <a:rPr lang="en-GB" sz="8800" b="1" dirty="0">
+              <a:rPr lang="en-GB" sz="6000" b="1" dirty="0">
                 <a:solidFill>
                   <a:schemeClr val="bg1"/>
                 </a:solidFill>
@@ -5015,7 +5015,7 @@
               <a:t> </a:t>
             </a:r>
             <a:r>
-              <a:rPr lang="en-GB" sz="8800" b="1" dirty="0" err="1">
+              <a:rPr lang="en-GB" sz="6000" b="1" dirty="0" err="1">
                 <a:solidFill>
                   <a:schemeClr val="bg1"/>
                 </a:solidFill>
@@ -5024,7 +5024,7 @@
               <a:t>tanambokovoko</a:t>
             </a:r>
             <a:r>
-              <a:rPr lang="fr-FR" sz="8800" b="1" dirty="0">
+              <a:rPr lang="fr-FR" sz="6000" b="1" dirty="0">
                 <a:solidFill>
                   <a:schemeClr val="bg1"/>
                 </a:solidFill>
@@ -5033,7 +5033,7 @@
               <a:t/>
             </a:r>
             <a:br>
-              <a:rPr lang="fr-FR" sz="8800" b="1" dirty="0">
+              <a:rPr lang="fr-FR" sz="6000" b="1" dirty="0">
                 <a:solidFill>
                   <a:schemeClr val="bg1"/>
                 </a:solidFill>
@@ -5041,7 +5041,7 @@
               </a:rPr>
             </a:br>
             <a:r>
-              <a:rPr lang="en-GB" sz="8800" b="1" dirty="0" err="1">
+              <a:rPr lang="en-GB" sz="6000" b="1" dirty="0" err="1">
                 <a:solidFill>
                   <a:schemeClr val="bg1"/>
                 </a:solidFill>
@@ -5050,7 +5050,7 @@
               <a:t>Hihamina</a:t>
             </a:r>
             <a:r>
-              <a:rPr lang="en-GB" sz="8800" b="1" dirty="0">
+              <a:rPr lang="en-GB" sz="6000" b="1" dirty="0">
                 <a:solidFill>
                   <a:schemeClr val="bg1"/>
                 </a:solidFill>
@@ -5059,7 +5059,7 @@
               <a:t> </a:t>
             </a:r>
             <a:r>
-              <a:rPr lang="en-GB" sz="8800" b="1" dirty="0" err="1">
+              <a:rPr lang="en-GB" sz="6000" b="1" dirty="0" err="1">
                 <a:solidFill>
                   <a:schemeClr val="bg1"/>
                 </a:solidFill>
@@ -5068,7 +5068,7 @@
               <a:t>eo</a:t>
             </a:r>
             <a:r>
-              <a:rPr lang="en-GB" sz="8800" b="1" dirty="0">
+              <a:rPr lang="en-GB" sz="6000" b="1" dirty="0">
                 <a:solidFill>
                   <a:schemeClr val="bg1"/>
                 </a:solidFill>
@@ -5077,7 +5077,7 @@
               <a:t> </a:t>
             </a:r>
             <a:r>
-              <a:rPr lang="en-GB" sz="8800" b="1" dirty="0" err="1">
+              <a:rPr lang="en-GB" sz="6000" b="1" dirty="0" err="1">
                 <a:solidFill>
                   <a:schemeClr val="bg1"/>
                 </a:solidFill>
@@ -5086,7 +5086,7 @@
               <a:t>anilanao</a:t>
             </a:r>
             <a:r>
-              <a:rPr lang="fr-FR" sz="8800" b="1" dirty="0">
+              <a:rPr lang="fr-FR" sz="6000" b="1" dirty="0">
                 <a:solidFill>
                   <a:schemeClr val="bg1"/>
                 </a:solidFill>
@@ -5095,7 +5095,7 @@
               <a:t> </a:t>
             </a:r>
             <a:r>
-              <a:rPr lang="en-GB" sz="8800" b="1" dirty="0" err="1">
+              <a:rPr lang="en-GB" sz="6000" b="1" dirty="0" err="1">
                 <a:solidFill>
                   <a:schemeClr val="bg1"/>
                 </a:solidFill>
@@ -5104,7 +5104,7 @@
               <a:t>anie</a:t>
             </a:r>
             <a:r>
-              <a:rPr lang="en-GB" sz="8800" b="1" dirty="0">
+              <a:rPr lang="en-GB" sz="6000" b="1" dirty="0">
                 <a:solidFill>
                   <a:schemeClr val="bg1"/>
                 </a:solidFill>
@@ -5113,7 +5113,7 @@
               <a:t> </a:t>
             </a:r>
             <a:r>
-              <a:rPr lang="en-GB" sz="8800" b="1" dirty="0" err="1">
+              <a:rPr lang="en-GB" sz="6000" b="1" dirty="0" err="1">
                 <a:solidFill>
                   <a:schemeClr val="bg1"/>
                 </a:solidFill>
@@ -5122,7 +5122,7 @@
               <a:t>ny</a:t>
             </a:r>
             <a:r>
-              <a:rPr lang="en-GB" sz="8800" b="1" dirty="0">
+              <a:rPr lang="en-GB" sz="6000" b="1" dirty="0">
                 <a:solidFill>
                   <a:schemeClr val="bg1"/>
                 </a:solidFill>
@@ -5131,7 +5131,7 @@
               <a:t> </a:t>
             </a:r>
             <a:r>
-              <a:rPr lang="en-GB" sz="8800" b="1" dirty="0" err="1">
+              <a:rPr lang="en-GB" sz="6000" b="1" dirty="0" err="1">
                 <a:solidFill>
                   <a:schemeClr val="bg1"/>
                 </a:solidFill>
@@ -5140,7 +5140,7 @@
               <a:t>foko</a:t>
             </a:r>
             <a:r>
-              <a:rPr lang="en-GB" sz="8800" b="1" dirty="0">
+              <a:rPr lang="en-GB" sz="6000" b="1" dirty="0">
                 <a:solidFill>
                   <a:schemeClr val="bg1"/>
                 </a:solidFill>
@@ -5149,7 +5149,7 @@
               <a:t> ;</a:t>
             </a:r>
             <a:r>
-              <a:rPr lang="fr-FR" sz="8800" b="1" dirty="0">
+              <a:rPr lang="fr-FR" sz="6000" b="1" dirty="0">
                 <a:solidFill>
                   <a:schemeClr val="bg1"/>
                 </a:solidFill>
@@ -5158,7 +5158,7 @@
               <a:t/>
             </a:r>
             <a:br>
-              <a:rPr lang="fr-FR" sz="8800" b="1" dirty="0">
+              <a:rPr lang="fr-FR" sz="6000" b="1" dirty="0">
                 <a:solidFill>
                   <a:schemeClr val="bg1"/>
                 </a:solidFill>
@@ -5166,7 +5166,7 @@
               </a:rPr>
             </a:br>
             <a:r>
-              <a:rPr lang="en-GB" sz="8800" b="1" dirty="0" err="1">
+              <a:rPr lang="en-GB" sz="6000" b="1" dirty="0" err="1">
                 <a:solidFill>
                   <a:schemeClr val="bg1"/>
                 </a:solidFill>
@@ -5175,7 +5175,7 @@
               <a:t>Fa</a:t>
             </a:r>
             <a:r>
-              <a:rPr lang="en-GB" sz="8800" b="1" dirty="0">
+              <a:rPr lang="en-GB" sz="6000" b="1" dirty="0">
                 <a:solidFill>
                   <a:schemeClr val="bg1"/>
                 </a:solidFill>
@@ -5184,7 +5184,7 @@
               <a:t> </a:t>
             </a:r>
             <a:r>
-              <a:rPr lang="en-GB" sz="8800" b="1" dirty="0" err="1">
+              <a:rPr lang="en-GB" sz="6000" b="1" dirty="0" err="1">
                 <a:solidFill>
                   <a:schemeClr val="bg1"/>
                 </a:solidFill>
@@ -5193,7 +5193,7 @@
               <a:t>eo</a:t>
             </a:r>
             <a:r>
-              <a:rPr lang="en-GB" sz="8800" b="1" dirty="0">
+              <a:rPr lang="en-GB" sz="6000" b="1" dirty="0">
                 <a:solidFill>
                   <a:schemeClr val="bg1"/>
                 </a:solidFill>
@@ -5202,7 +5202,7 @@
               <a:t> </a:t>
             </a:r>
             <a:r>
-              <a:rPr lang="en-GB" sz="8800" b="1" dirty="0" err="1">
+              <a:rPr lang="en-GB" sz="6000" b="1" dirty="0" err="1">
                 <a:solidFill>
                   <a:schemeClr val="bg1"/>
                 </a:solidFill>
@@ -5211,7 +5211,7 @@
               <a:t>anilanao</a:t>
             </a:r>
             <a:r>
-              <a:rPr lang="fr-FR" sz="8800" b="1" dirty="0">
+              <a:rPr lang="fr-FR" sz="6000" b="1" dirty="0">
                 <a:solidFill>
                   <a:schemeClr val="bg1"/>
                 </a:solidFill>
@@ -5220,7 +5220,7 @@
               <a:t> </a:t>
             </a:r>
             <a:r>
-              <a:rPr lang="en-GB" sz="8800" b="1" dirty="0" err="1">
+              <a:rPr lang="en-GB" sz="6000" b="1" dirty="0" err="1">
                 <a:solidFill>
                   <a:schemeClr val="bg1"/>
                 </a:solidFill>
@@ -5229,7 +5229,7 @@
               <a:t>tsy</a:t>
             </a:r>
             <a:r>
-              <a:rPr lang="en-GB" sz="8800" b="1" dirty="0">
+              <a:rPr lang="en-GB" sz="6000" b="1" dirty="0">
                 <a:solidFill>
                   <a:schemeClr val="bg1"/>
                 </a:solidFill>
@@ -5238,7 +5238,7 @@
               <a:t> </a:t>
             </a:r>
             <a:r>
-              <a:rPr lang="en-GB" sz="8800" b="1" dirty="0" err="1">
+              <a:rPr lang="en-GB" sz="6000" b="1" dirty="0" err="1">
                 <a:solidFill>
                   <a:schemeClr val="bg1"/>
                 </a:solidFill>
@@ -5247,7 +5247,7 @@
               <a:t>misy</a:t>
             </a:r>
             <a:r>
-              <a:rPr lang="en-GB" sz="8800" b="1" dirty="0">
+              <a:rPr lang="en-GB" sz="6000" b="1" dirty="0">
                 <a:solidFill>
                   <a:schemeClr val="bg1"/>
                 </a:solidFill>
@@ -5256,7 +5256,7 @@
               <a:t> </a:t>
             </a:r>
             <a:r>
-              <a:rPr lang="en-GB" sz="8800" b="1" dirty="0" err="1">
+              <a:rPr lang="en-GB" sz="6000" b="1" dirty="0" err="1">
                 <a:solidFill>
                   <a:schemeClr val="bg1"/>
                 </a:solidFill>
@@ -5265,7 +5265,7 @@
               <a:t>ny</a:t>
             </a:r>
             <a:r>
-              <a:rPr lang="en-GB" sz="8800" b="1" dirty="0">
+              <a:rPr lang="en-GB" sz="6000" b="1" dirty="0">
                 <a:solidFill>
                   <a:schemeClr val="bg1"/>
                 </a:solidFill>
@@ -5274,7 +5274,7 @@
               <a:t> </a:t>
             </a:r>
             <a:r>
-              <a:rPr lang="en-GB" sz="8800" b="1" dirty="0" err="1">
+              <a:rPr lang="en-GB" sz="6000" b="1" dirty="0" err="1">
                 <a:solidFill>
                   <a:schemeClr val="bg1"/>
                 </a:solidFill>
@@ -5283,7 +5283,7 @@
               <a:t>tolokoloko</a:t>
             </a:r>
             <a:r>
-              <a:rPr lang="en-GB" sz="8800" b="1" dirty="0">
+              <a:rPr lang="en-GB" sz="6000" b="1" dirty="0">
                 <a:solidFill>
                   <a:schemeClr val="bg1"/>
                 </a:solidFill>
@@ -5292,7 +5292,7 @@
               <a:t>,</a:t>
             </a:r>
             <a:r>
-              <a:rPr lang="fr-FR" sz="8800" b="1" dirty="0">
+              <a:rPr lang="fr-FR" sz="6000" b="1" dirty="0">
                 <a:solidFill>
                   <a:schemeClr val="bg1"/>
                 </a:solidFill>
@@ -5301,7 +5301,7 @@
               <a:t/>
             </a:r>
             <a:br>
-              <a:rPr lang="fr-FR" sz="8800" b="1" dirty="0">
+              <a:rPr lang="fr-FR" sz="6000" b="1" dirty="0">
                 <a:solidFill>
                   <a:schemeClr val="bg1"/>
                 </a:solidFill>
@@ -5309,7 +5309,7 @@
               </a:rPr>
             </a:br>
             <a:r>
-              <a:rPr lang="fr-FR" sz="8800" b="1" dirty="0">
+              <a:rPr lang="fr-FR" sz="6000" b="1" dirty="0">
                 <a:solidFill>
                   <a:schemeClr val="bg1"/>
                 </a:solidFill>
@@ -5318,7 +5318,7 @@
               <a:t>E</a:t>
             </a:r>
             <a:r>
-              <a:rPr lang="en-GB" sz="8800" b="1" dirty="0">
+              <a:rPr lang="en-GB" sz="6000" b="1" dirty="0">
                 <a:solidFill>
                   <a:schemeClr val="bg1"/>
                 </a:solidFill>
@@ -5327,7 +5327,7 @@
               <a:t>o no </a:t>
             </a:r>
             <a:r>
-              <a:rPr lang="en-GB" sz="8800" b="1" dirty="0" err="1">
+              <a:rPr lang="en-GB" sz="6000" b="1" dirty="0" err="1">
                 <a:solidFill>
                   <a:schemeClr val="bg1"/>
                 </a:solidFill>
@@ -5336,7 +5336,7 @@
               <a:t>mahatsara</a:t>
             </a:r>
             <a:r>
-              <a:rPr lang="en-GB" sz="8800" b="1" dirty="0">
+              <a:rPr lang="en-GB" sz="6000" b="1" dirty="0">
                 <a:solidFill>
                   <a:schemeClr val="bg1"/>
                 </a:solidFill>
@@ -5345,7 +5345,7 @@
               <a:t> </a:t>
             </a:r>
             <a:r>
-              <a:rPr lang="en-GB" sz="8800" b="1" dirty="0" err="1">
+              <a:rPr lang="en-GB" sz="6000" b="1" dirty="0" err="1">
                 <a:solidFill>
                   <a:schemeClr val="bg1"/>
                 </a:solidFill>
@@ -5354,7 +5354,7 @@
               <a:t>ahy</a:t>
             </a:r>
             <a:r>
-              <a:rPr lang="en-GB" sz="8800" b="1" dirty="0">
+              <a:rPr lang="en-GB" sz="6000" b="1" dirty="0">
                 <a:solidFill>
                   <a:schemeClr val="bg1"/>
                 </a:solidFill>
@@ -5363,7 +5363,7 @@
               <a:t>, </a:t>
             </a:r>
             <a:r>
-              <a:rPr lang="en-GB" sz="8800" b="1" dirty="0" err="1">
+              <a:rPr lang="en-GB" sz="6000" b="1" dirty="0" err="1">
                 <a:solidFill>
                   <a:schemeClr val="bg1"/>
                 </a:solidFill>
@@ -5372,7 +5372,7 @@
               <a:t>Jesoa</a:t>
             </a:r>
             <a:r>
-              <a:rPr lang="en-GB" sz="8800" b="1" dirty="0">
+              <a:rPr lang="en-GB" sz="6000" b="1" dirty="0">
                 <a:solidFill>
                   <a:schemeClr val="bg1"/>
                 </a:solidFill>
@@ -5380,7 +5380,7 @@
               </a:rPr>
               <a:t>.</a:t>
             </a:r>
-            <a:endParaRPr lang="fr-FR" sz="8800" b="1" dirty="0">
+            <a:endParaRPr lang="fr-FR" sz="6000" b="1" dirty="0">
               <a:solidFill>
                 <a:schemeClr val="bg1"/>
               </a:solidFill>
